--- a/Java6-12-QLMonHoc-Thuyết trình.pptx
+++ b/Java6-12-QLMonHoc-Thuyết trình.pptx
@@ -3185,13 +3185,13 @@
         <a:lstStyle/>
         <a:p>
           <a:r>
-            <a:rPr lang="en-US" sz="2200" smtClean="0">
+            <a:rPr lang="en-US" sz="2200" dirty="0" smtClean="0">
               <a:latin typeface="Times New Roman" panose="02020603050405020304" pitchFamily="18" charset="0"/>
               <a:cs typeface="Times New Roman" panose="02020603050405020304" pitchFamily="18" charset="0"/>
             </a:rPr>
             <a:t>Phù hợp với chương trình</a:t>
           </a:r>
-          <a:endParaRPr lang="en-US" sz="2200">
+          <a:endParaRPr lang="en-US" sz="2200" dirty="0">
             <a:latin typeface="Times New Roman" panose="02020603050405020304" pitchFamily="18" charset="0"/>
             <a:cs typeface="Times New Roman" panose="02020603050405020304" pitchFamily="18" charset="0"/>
           </a:endParaRPr>
@@ -3228,13 +3228,13 @@
         <a:lstStyle/>
         <a:p>
           <a:r>
-            <a:rPr lang="en-US" sz="2200" smtClean="0">
+            <a:rPr lang="en-US" sz="2200" dirty="0" smtClean="0">
               <a:latin typeface="Times New Roman" panose="02020603050405020304" pitchFamily="18" charset="0"/>
               <a:cs typeface="Times New Roman" panose="02020603050405020304" pitchFamily="18" charset="0"/>
             </a:rPr>
             <a:t>Nhu cầu người sử dụng</a:t>
           </a:r>
-          <a:endParaRPr lang="en-US" sz="2200">
+          <a:endParaRPr lang="en-US" sz="2200" dirty="0">
             <a:latin typeface="Times New Roman" panose="02020603050405020304" pitchFamily="18" charset="0"/>
             <a:cs typeface="Times New Roman" panose="02020603050405020304" pitchFamily="18" charset="0"/>
           </a:endParaRPr>
@@ -3457,7 +3457,7 @@
       </dgm:t>
     </dgm:pt>
     <dgm:pt modelId="{65B5A1D5-1D6A-46EA-B5B8-E63892B74E7F}" type="pres">
-      <dgm:prSet presAssocID="{0E0A483C-2891-4419-8592-01AD22734359}" presName="childText" presStyleLbl="bgAcc1" presStyleIdx="0" presStyleCnt="4" custScaleX="162334" custScaleY="70040">
+      <dgm:prSet presAssocID="{0E0A483C-2891-4419-8592-01AD22734359}" presName="childText" presStyleLbl="bgAcc1" presStyleIdx="0" presStyleCnt="4" custScaleX="162334" custScaleY="70040" custLinFactNeighborX="-4442" custLinFactNeighborY="5922">
         <dgm:presLayoutVars>
           <dgm:bulletEnabled val="1"/>
         </dgm:presLayoutVars>
@@ -5300,8 +5300,8 @@
       </dsp:nvSpPr>
       <dsp:spPr>
         <a:xfrm>
-          <a:off x="6229" y="184596"/>
-          <a:ext cx="3510618" cy="822962"/>
+          <a:off x="6578" y="467061"/>
+          <a:ext cx="3707131" cy="869029"/>
         </a:xfrm>
         <a:prstGeom prst="roundRect">
           <a:avLst>
@@ -5374,8 +5374,8 @@
         </a:p>
       </dsp:txBody>
       <dsp:txXfrm>
-        <a:off x="30333" y="208700"/>
-        <a:ext cx="3462410" cy="774754"/>
+        <a:off x="32031" y="492514"/>
+        <a:ext cx="3656225" cy="818123"/>
       </dsp:txXfrm>
     </dsp:sp>
     <dsp:sp modelId="{29FA1D2D-B5A5-438B-922A-CD31A3C50BB7}">
@@ -5385,8 +5385,8 @@
       </dsp:nvSpPr>
       <dsp:spPr>
         <a:xfrm>
-          <a:off x="357291" y="1007559"/>
-          <a:ext cx="351061" cy="626870"/>
+          <a:off x="377291" y="1336091"/>
+          <a:ext cx="292327" cy="727273"/>
         </a:xfrm>
         <a:custGeom>
           <a:avLst/>
@@ -5400,10 +5400,10 @@
                 <a:pt x="0" y="0"/>
               </a:moveTo>
               <a:lnTo>
-                <a:pt x="0" y="626870"/>
+                <a:pt x="0" y="727273"/>
               </a:lnTo>
               <a:lnTo>
-                <a:pt x="351061" y="626870"/>
+                <a:pt x="292327" y="727273"/>
               </a:lnTo>
             </a:path>
           </a:pathLst>
@@ -5443,8 +5443,8 @@
       </dsp:nvSpPr>
       <dsp:spPr>
         <a:xfrm>
-          <a:off x="708353" y="1268668"/>
-          <a:ext cx="2712757" cy="731522"/>
+          <a:off x="669619" y="1677129"/>
+          <a:ext cx="2864609" cy="772470"/>
         </a:xfrm>
         <a:prstGeom prst="roundRect">
           <a:avLst>
@@ -5503,21 +5503,21 @@
             </a:spcAft>
           </a:pPr>
           <a:r>
-            <a:rPr lang="en-US" sz="2200" kern="1200" smtClean="0">
+            <a:rPr lang="en-US" sz="2200" kern="1200" dirty="0" smtClean="0">
               <a:latin typeface="Times New Roman" panose="02020603050405020304" pitchFamily="18" charset="0"/>
               <a:cs typeface="Times New Roman" panose="02020603050405020304" pitchFamily="18" charset="0"/>
             </a:rPr>
             <a:t>Phù hợp với chương trình</a:t>
           </a:r>
-          <a:endParaRPr lang="en-US" sz="2200" kern="1200">
+          <a:endParaRPr lang="en-US" sz="2200" kern="1200" dirty="0">
             <a:latin typeface="Times New Roman" panose="02020603050405020304" pitchFamily="18" charset="0"/>
             <a:cs typeface="Times New Roman" panose="02020603050405020304" pitchFamily="18" charset="0"/>
           </a:endParaRPr>
         </a:p>
       </dsp:txBody>
       <dsp:txXfrm>
-        <a:off x="729779" y="1290094"/>
-        <a:ext cx="2669905" cy="688670"/>
+        <a:off x="692244" y="1699754"/>
+        <a:ext cx="2819359" cy="727220"/>
       </dsp:txXfrm>
     </dsp:sp>
     <dsp:sp modelId="{28E56DDA-90F7-412C-9C68-25747D0E78B5}">
@@ -5527,8 +5527,8 @@
       </dsp:nvSpPr>
       <dsp:spPr>
         <a:xfrm>
-          <a:off x="357291" y="1007559"/>
-          <a:ext cx="351061" cy="1619501"/>
+          <a:off x="377291" y="1336091"/>
+          <a:ext cx="370713" cy="1710155"/>
         </a:xfrm>
         <a:custGeom>
           <a:avLst/>
@@ -5542,10 +5542,10 @@
                 <a:pt x="0" y="0"/>
               </a:moveTo>
               <a:lnTo>
-                <a:pt x="0" y="1619501"/>
+                <a:pt x="0" y="1710155"/>
               </a:lnTo>
               <a:lnTo>
-                <a:pt x="351061" y="1619501"/>
+                <a:pt x="370713" y="1710155"/>
               </a:lnTo>
             </a:path>
           </a:pathLst>
@@ -5585,8 +5585,8 @@
       </dsp:nvSpPr>
       <dsp:spPr>
         <a:xfrm>
-          <a:off x="708353" y="2261299"/>
-          <a:ext cx="2712757" cy="731522"/>
+          <a:off x="748004" y="2660011"/>
+          <a:ext cx="2864609" cy="772470"/>
         </a:xfrm>
         <a:prstGeom prst="roundRect">
           <a:avLst>
@@ -5645,21 +5645,21 @@
             </a:spcAft>
           </a:pPr>
           <a:r>
-            <a:rPr lang="en-US" sz="2200" kern="1200" smtClean="0">
+            <a:rPr lang="en-US" sz="2200" kern="1200" dirty="0" smtClean="0">
               <a:latin typeface="Times New Roman" panose="02020603050405020304" pitchFamily="18" charset="0"/>
               <a:cs typeface="Times New Roman" panose="02020603050405020304" pitchFamily="18" charset="0"/>
             </a:rPr>
             <a:t>Nhu cầu người sử dụng</a:t>
           </a:r>
-          <a:endParaRPr lang="en-US" sz="2200" kern="1200">
+          <a:endParaRPr lang="en-US" sz="2200" kern="1200" dirty="0">
             <a:latin typeface="Times New Roman" panose="02020603050405020304" pitchFamily="18" charset="0"/>
             <a:cs typeface="Times New Roman" panose="02020603050405020304" pitchFamily="18" charset="0"/>
           </a:endParaRPr>
         </a:p>
       </dsp:txBody>
       <dsp:txXfrm>
-        <a:off x="729779" y="2282725"/>
-        <a:ext cx="2669905" cy="688670"/>
+        <a:off x="770629" y="2682636"/>
+        <a:ext cx="2819359" cy="727220"/>
       </dsp:txXfrm>
     </dsp:sp>
     <dsp:sp modelId="{64E09DF2-4652-4C13-96CC-CC5B00506614}">
@@ -5669,8 +5669,8 @@
       </dsp:nvSpPr>
       <dsp:spPr>
         <a:xfrm>
-          <a:off x="4039065" y="184596"/>
-          <a:ext cx="3513020" cy="822962"/>
+          <a:off x="4265159" y="467061"/>
+          <a:ext cx="3709668" cy="869029"/>
         </a:xfrm>
         <a:prstGeom prst="roundRect">
           <a:avLst>
@@ -5743,8 +5743,8 @@
         </a:p>
       </dsp:txBody>
       <dsp:txXfrm>
-        <a:off x="4063169" y="208700"/>
-        <a:ext cx="3464812" cy="774754"/>
+        <a:off x="4290612" y="492514"/>
+        <a:ext cx="3658762" cy="818123"/>
       </dsp:txXfrm>
     </dsp:sp>
     <dsp:sp modelId="{D4838B40-C47D-45DF-AFA9-468AAEED71B8}">
@@ -5754,8 +5754,8 @@
       </dsp:nvSpPr>
       <dsp:spPr>
         <a:xfrm>
-          <a:off x="4390367" y="1007559"/>
-          <a:ext cx="351302" cy="626870"/>
+          <a:off x="4636126" y="1336091"/>
+          <a:ext cx="370966" cy="661960"/>
         </a:xfrm>
         <a:custGeom>
           <a:avLst/>
@@ -5769,10 +5769,10 @@
                 <a:pt x="0" y="0"/>
               </a:moveTo>
               <a:lnTo>
-                <a:pt x="0" y="626870"/>
+                <a:pt x="0" y="661960"/>
               </a:lnTo>
               <a:lnTo>
-                <a:pt x="351302" y="626870"/>
+                <a:pt x="370966" y="661960"/>
               </a:lnTo>
             </a:path>
           </a:pathLst>
@@ -5812,8 +5812,8 @@
       </dsp:nvSpPr>
       <dsp:spPr>
         <a:xfrm>
-          <a:off x="4741669" y="1268668"/>
-          <a:ext cx="2710986" cy="731522"/>
+          <a:off x="5007093" y="1611816"/>
+          <a:ext cx="2862738" cy="772470"/>
         </a:xfrm>
         <a:prstGeom prst="roundRect">
           <a:avLst>
@@ -5885,8 +5885,8 @@
         </a:p>
       </dsp:txBody>
       <dsp:txXfrm>
-        <a:off x="4763095" y="1290094"/>
-        <a:ext cx="2668134" cy="688670"/>
+        <a:off x="5029718" y="1634441"/>
+        <a:ext cx="2817488" cy="727220"/>
       </dsp:txXfrm>
     </dsp:sp>
     <dsp:sp modelId="{03B89361-EAD8-491A-8CCB-F95FB5A807DA}">
@@ -5896,8 +5896,8 @@
       </dsp:nvSpPr>
       <dsp:spPr>
         <a:xfrm>
-          <a:off x="4390367" y="1007559"/>
-          <a:ext cx="351302" cy="1619501"/>
+          <a:off x="4636126" y="1336091"/>
+          <a:ext cx="370966" cy="1710155"/>
         </a:xfrm>
         <a:custGeom>
           <a:avLst/>
@@ -5911,10 +5911,10 @@
                 <a:pt x="0" y="0"/>
               </a:moveTo>
               <a:lnTo>
-                <a:pt x="0" y="1619501"/>
+                <a:pt x="0" y="1710155"/>
               </a:lnTo>
               <a:lnTo>
-                <a:pt x="351302" y="1619501"/>
+                <a:pt x="370966" y="1710155"/>
               </a:lnTo>
             </a:path>
           </a:pathLst>
@@ -5954,8 +5954,8 @@
       </dsp:nvSpPr>
       <dsp:spPr>
         <a:xfrm>
-          <a:off x="4741669" y="2261299"/>
-          <a:ext cx="2736036" cy="731522"/>
+          <a:off x="5007093" y="2660011"/>
+          <a:ext cx="2889190" cy="772470"/>
         </a:xfrm>
         <a:prstGeom prst="roundRect">
           <a:avLst>
@@ -6027,8 +6027,8 @@
         </a:p>
       </dsp:txBody>
       <dsp:txXfrm>
-        <a:off x="4763095" y="2282725"/>
-        <a:ext cx="2693184" cy="688670"/>
+        <a:off x="5029718" y="2682636"/>
+        <a:ext cx="2843940" cy="727220"/>
       </dsp:txXfrm>
     </dsp:sp>
   </dsp:spTree>
@@ -13348,7 +13348,7 @@
           <a:p>
             <a:fld id="{D6A790FB-606E-4A57-99C7-E6978E96A093}" type="datetimeFigureOut">
               <a:rPr lang="en-US" smtClean="0"/>
-              <a:t>5/29/2021</a:t>
+              <a:t>6/2/2021</a:t>
             </a:fld>
             <a:endParaRPr lang="en-US"/>
           </a:p>
@@ -14119,7 +14119,7 @@
             <a:fld id="{B61BEF0D-F0BB-DE4B-95CE-6DB70DBA9567}" type="datetimeFigureOut">
               <a:rPr lang="en-US"/>
               <a:pPr/>
-              <a:t>5/29/2021</a:t>
+              <a:t>6/2/2021</a:t>
             </a:fld>
             <a:endParaRPr lang="en-US"/>
           </a:p>
@@ -14412,7 +14412,7 @@
             <a:fld id="{B61BEF0D-F0BB-DE4B-95CE-6DB70DBA9567}" type="datetimeFigureOut">
               <a:rPr lang="en-US"/>
               <a:pPr/>
-              <a:t>5/29/2021</a:t>
+              <a:t>6/2/2021</a:t>
             </a:fld>
             <a:endParaRPr lang="en-US"/>
           </a:p>
@@ -14657,7 +14657,7 @@
             <a:fld id="{B61BEF0D-F0BB-DE4B-95CE-6DB70DBA9567}" type="datetimeFigureOut">
               <a:rPr lang="en-US"/>
               <a:pPr/>
-              <a:t>5/29/2021</a:t>
+              <a:t>6/2/2021</a:t>
             </a:fld>
             <a:endParaRPr lang="en-US"/>
           </a:p>
@@ -15194,7 +15194,7 @@
             <a:fld id="{B61BEF0D-F0BB-DE4B-95CE-6DB70DBA9567}" type="datetimeFigureOut">
               <a:rPr lang="en-US"/>
               <a:pPr/>
-              <a:t>5/29/2021</a:t>
+              <a:t>6/2/2021</a:t>
             </a:fld>
             <a:endParaRPr lang="en-US"/>
           </a:p>
@@ -15439,7 +15439,7 @@
             <a:fld id="{B61BEF0D-F0BB-DE4B-95CE-6DB70DBA9567}" type="datetimeFigureOut">
               <a:rPr lang="en-US"/>
               <a:pPr/>
-              <a:t>5/29/2021</a:t>
+              <a:t>6/2/2021</a:t>
             </a:fld>
             <a:endParaRPr lang="en-US"/>
           </a:p>
@@ -15968,7 +15968,7 @@
             <a:fld id="{B61BEF0D-F0BB-DE4B-95CE-6DB70DBA9567}" type="datetimeFigureOut">
               <a:rPr lang="en-US"/>
               <a:pPr/>
-              <a:t>5/29/2021</a:t>
+              <a:t>6/2/2021</a:t>
             </a:fld>
             <a:endParaRPr lang="en-US"/>
           </a:p>
@@ -16262,7 +16262,7 @@
             <a:fld id="{B61BEF0D-F0BB-DE4B-95CE-6DB70DBA9567}" type="datetimeFigureOut">
               <a:rPr lang="en-US"/>
               <a:pPr/>
-              <a:t>5/29/2021</a:t>
+              <a:t>6/2/2021</a:t>
             </a:fld>
             <a:endParaRPr lang="en-US"/>
           </a:p>
@@ -16433,7 +16433,7 @@
             <a:fld id="{B61BEF0D-F0BB-DE4B-95CE-6DB70DBA9567}" type="datetimeFigureOut">
               <a:rPr lang="en-US"/>
               <a:pPr/>
-              <a:t>5/29/2021</a:t>
+              <a:t>6/2/2021</a:t>
             </a:fld>
             <a:endParaRPr lang="en-US"/>
           </a:p>
@@ -16610,7 +16610,7 @@
             <a:fld id="{B61BEF0D-F0BB-DE4B-95CE-6DB70DBA9567}" type="datetimeFigureOut">
               <a:rPr lang="en-US"/>
               <a:pPr/>
-              <a:t>5/29/2021</a:t>
+              <a:t>6/2/2021</a:t>
             </a:fld>
             <a:endParaRPr lang="en-US"/>
           </a:p>
@@ -16777,7 +16777,7 @@
             <a:fld id="{B61BEF0D-F0BB-DE4B-95CE-6DB70DBA9567}" type="datetimeFigureOut">
               <a:rPr lang="en-US"/>
               <a:pPr/>
-              <a:t>5/29/2021</a:t>
+              <a:t>6/2/2021</a:t>
             </a:fld>
             <a:endParaRPr lang="en-US"/>
           </a:p>
@@ -17025,7 +17025,7 @@
             <a:fld id="{B61BEF0D-F0BB-DE4B-95CE-6DB70DBA9567}" type="datetimeFigureOut">
               <a:rPr lang="en-US"/>
               <a:pPr/>
-              <a:t>5/29/2021</a:t>
+              <a:t>6/2/2021</a:t>
             </a:fld>
             <a:endParaRPr lang="en-US"/>
           </a:p>
@@ -17319,7 +17319,7 @@
             <a:fld id="{B61BEF0D-F0BB-DE4B-95CE-6DB70DBA9567}" type="datetimeFigureOut">
               <a:rPr lang="en-US"/>
               <a:pPr/>
-              <a:t>5/29/2021</a:t>
+              <a:t>6/2/2021</a:t>
             </a:fld>
             <a:endParaRPr lang="en-US"/>
           </a:p>
@@ -17758,7 +17758,7 @@
             <a:fld id="{B61BEF0D-F0BB-DE4B-95CE-6DB70DBA9567}" type="datetimeFigureOut">
               <a:rPr lang="en-US"/>
               <a:pPr/>
-              <a:t>5/29/2021</a:t>
+              <a:t>6/2/2021</a:t>
             </a:fld>
             <a:endParaRPr lang="en-US"/>
           </a:p>
@@ -17873,7 +17873,7 @@
             <a:fld id="{B61BEF0D-F0BB-DE4B-95CE-6DB70DBA9567}" type="datetimeFigureOut">
               <a:rPr lang="en-US"/>
               <a:pPr/>
-              <a:t>5/29/2021</a:t>
+              <a:t>6/2/2021</a:t>
             </a:fld>
             <a:endParaRPr lang="en-US"/>
           </a:p>
@@ -17965,7 +17965,7 @@
             <a:fld id="{B61BEF0D-F0BB-DE4B-95CE-6DB70DBA9567}" type="datetimeFigureOut">
               <a:rPr lang="en-US"/>
               <a:pPr/>
-              <a:t>5/29/2021</a:t>
+              <a:t>6/2/2021</a:t>
             </a:fld>
             <a:endParaRPr lang="en-US"/>
           </a:p>
@@ -18245,7 +18245,7 @@
             <a:fld id="{B61BEF0D-F0BB-DE4B-95CE-6DB70DBA9567}" type="datetimeFigureOut">
               <a:rPr lang="en-US"/>
               <a:pPr/>
-              <a:t>5/29/2021</a:t>
+              <a:t>6/2/2021</a:t>
             </a:fld>
             <a:endParaRPr lang="en-US"/>
           </a:p>
@@ -18533,7 +18533,7 @@
             <a:fld id="{B61BEF0D-F0BB-DE4B-95CE-6DB70DBA9567}" type="datetimeFigureOut">
               <a:rPr lang="en-US"/>
               <a:pPr/>
-              <a:t>5/29/2021</a:t>
+              <a:t>6/2/2021</a:t>
             </a:fld>
             <a:endParaRPr lang="en-US"/>
           </a:p>
@@ -19060,7 +19060,7 @@
             <a:fld id="{B61BEF0D-F0BB-DE4B-95CE-6DB70DBA9567}" type="datetimeFigureOut">
               <a:rPr lang="en-US"/>
               <a:pPr/>
-              <a:t>5/29/2021</a:t>
+              <a:t>6/2/2021</a:t>
             </a:fld>
             <a:endParaRPr lang="en-US"/>
           </a:p>
@@ -22075,14 +22075,14 @@
           <p:nvPr>
             <p:extLst>
               <p:ext uri="{D42A27DB-BD31-4B8C-83A1-F6EECF244321}">
-                <p14:modId xmlns:p14="http://schemas.microsoft.com/office/powerpoint/2010/main" val="152847362"/>
+                <p14:modId xmlns:p14="http://schemas.microsoft.com/office/powerpoint/2010/main" val="3519404357"/>
               </p:ext>
             </p:extLst>
           </p:nvPr>
         </p:nvGraphicFramePr>
         <p:xfrm>
           <a:off x="2142308" y="1639107"/>
-          <a:ext cx="7558316" cy="3177419"/>
+          <a:ext cx="7981406" cy="3899544"/>
         </p:xfrm>
         <a:graphic>
           <a:graphicData uri="http://schemas.openxmlformats.org/drawingml/2006/diagram">
@@ -22290,21 +22290,7 @@
                 <a:latin typeface="Times New Roman" panose="02020603050405020304" pitchFamily="18" charset="0"/>
                 <a:cs typeface="Times New Roman" panose="02020603050405020304" pitchFamily="18" charset="0"/>
               </a:rPr>
-              <a:t>Thành lập </a:t>
-            </a:r>
-            <a:r>
-              <a:rPr lang="en-US" sz="2400" dirty="0" smtClean="0">
-                <a:latin typeface="Times New Roman" panose="02020603050405020304" pitchFamily="18" charset="0"/>
-                <a:cs typeface="Times New Roman" panose="02020603050405020304" pitchFamily="18" charset="0"/>
-              </a:rPr>
-              <a:t>các lớp, </a:t>
-            </a:r>
-            <a:r>
-              <a:rPr lang="en-US" sz="2400" dirty="0" smtClean="0">
-                <a:latin typeface="Times New Roman" panose="02020603050405020304" pitchFamily="18" charset="0"/>
-                <a:cs typeface="Times New Roman" panose="02020603050405020304" pitchFamily="18" charset="0"/>
-              </a:rPr>
-              <a:t>nhóm, vai trò của thành viên</a:t>
+              <a:t>Thành lập các lớp, nhóm, vai trò của thành viên</a:t>
             </a:r>
           </a:p>
           <a:p>
@@ -23017,17 +23003,10 @@
                 <a:latin typeface="Times New Roman" panose="02020603050405020304" pitchFamily="18" charset="0"/>
                 <a:cs typeface="Times New Roman" panose="02020603050405020304" pitchFamily="18" charset="0"/>
               </a:rPr>
-              <a:t>Tạo lớp, xóa lớp</a:t>
-            </a:r>
-            <a:r>
-              <a:rPr lang="fr-FR" sz="2000" b="1">
-                <a:latin typeface="Times New Roman" panose="02020603050405020304" pitchFamily="18" charset="0"/>
-                <a:cs typeface="Times New Roman" panose="02020603050405020304" pitchFamily="18" charset="0"/>
-              </a:rPr>
-              <a:t>, </a:t>
-            </a:r>
-            <a:r>
-              <a:rPr lang="fr-FR" sz="2000" b="1" smtClean="0">
+              <a:t>Tạo lớp, xóa lớp, </a:t>
+            </a:r>
+            <a:r>
+              <a:rPr lang="fr-FR" sz="2000" b="1" dirty="0" smtClean="0">
                 <a:latin typeface="Times New Roman" panose="02020603050405020304" pitchFamily="18" charset="0"/>
                 <a:cs typeface="Times New Roman" panose="02020603050405020304" pitchFamily="18" charset="0"/>
               </a:rPr>
